--- a/assets/img/affiliations/compound_logo.pptx
+++ b/assets/img/affiliations/compound_logo.pptx
@@ -5,7 +5,8 @@
     <p:sldMasterId id="2147483648" r:id="rId1"/>
   </p:sldMasterIdLst>
   <p:sldIdLst>
-    <p:sldId id="256" r:id="rId2"/>
+    <p:sldId id="257" r:id="rId2"/>
+    <p:sldId id="256" r:id="rId3"/>
   </p:sldIdLst>
   <p:sldSz cx="12192000" cy="6858000"/>
   <p:notesSz cx="6858000" cy="9144000"/>
@@ -104,6 +105,11 @@
       </a:defRPr>
     </a:lvl9pPr>
   </p:defaultTextStyle>
+  <p:extLst>
+    <p:ext uri="{EFAFB233-063F-42B5-8137-9DF3F51BA10A}">
+      <p15:sldGuideLst xmlns:p15="http://schemas.microsoft.com/office/powerpoint/2012/main"/>
+    </p:ext>
+  </p:extLst>
 </p:presentation>
 </file>
 
@@ -256,7 +262,7 @@
           <a:p>
             <a:fld id="{EF4F237D-D39F-437D-B58E-A56F132280E9}" type="datetimeFigureOut">
               <a:rPr lang="en-US" smtClean="0"/>
-              <a:t>9/9/2022</a:t>
+              <a:t>1/22/2024</a:t>
             </a:fld>
             <a:endParaRPr lang="en-US"/>
           </a:p>
@@ -456,7 +462,7 @@
           <a:p>
             <a:fld id="{EF4F237D-D39F-437D-B58E-A56F132280E9}" type="datetimeFigureOut">
               <a:rPr lang="en-US" smtClean="0"/>
-              <a:t>9/9/2022</a:t>
+              <a:t>1/22/2024</a:t>
             </a:fld>
             <a:endParaRPr lang="en-US"/>
           </a:p>
@@ -666,7 +672,7 @@
           <a:p>
             <a:fld id="{EF4F237D-D39F-437D-B58E-A56F132280E9}" type="datetimeFigureOut">
               <a:rPr lang="en-US" smtClean="0"/>
-              <a:t>9/9/2022</a:t>
+              <a:t>1/22/2024</a:t>
             </a:fld>
             <a:endParaRPr lang="en-US"/>
           </a:p>
@@ -866,7 +872,7 @@
           <a:p>
             <a:fld id="{EF4F237D-D39F-437D-B58E-A56F132280E9}" type="datetimeFigureOut">
               <a:rPr lang="en-US" smtClean="0"/>
-              <a:t>9/9/2022</a:t>
+              <a:t>1/22/2024</a:t>
             </a:fld>
             <a:endParaRPr lang="en-US"/>
           </a:p>
@@ -1142,7 +1148,7 @@
           <a:p>
             <a:fld id="{EF4F237D-D39F-437D-B58E-A56F132280E9}" type="datetimeFigureOut">
               <a:rPr lang="en-US" smtClean="0"/>
-              <a:t>9/9/2022</a:t>
+              <a:t>1/22/2024</a:t>
             </a:fld>
             <a:endParaRPr lang="en-US"/>
           </a:p>
@@ -1410,7 +1416,7 @@
           <a:p>
             <a:fld id="{EF4F237D-D39F-437D-B58E-A56F132280E9}" type="datetimeFigureOut">
               <a:rPr lang="en-US" smtClean="0"/>
-              <a:t>9/9/2022</a:t>
+              <a:t>1/22/2024</a:t>
             </a:fld>
             <a:endParaRPr lang="en-US"/>
           </a:p>
@@ -1825,7 +1831,7 @@
           <a:p>
             <a:fld id="{EF4F237D-D39F-437D-B58E-A56F132280E9}" type="datetimeFigureOut">
               <a:rPr lang="en-US" smtClean="0"/>
-              <a:t>9/9/2022</a:t>
+              <a:t>1/22/2024</a:t>
             </a:fld>
             <a:endParaRPr lang="en-US"/>
           </a:p>
@@ -1967,7 +1973,7 @@
           <a:p>
             <a:fld id="{EF4F237D-D39F-437D-B58E-A56F132280E9}" type="datetimeFigureOut">
               <a:rPr lang="en-US" smtClean="0"/>
-              <a:t>9/9/2022</a:t>
+              <a:t>1/22/2024</a:t>
             </a:fld>
             <a:endParaRPr lang="en-US"/>
           </a:p>
@@ -2080,7 +2086,7 @@
           <a:p>
             <a:fld id="{EF4F237D-D39F-437D-B58E-A56F132280E9}" type="datetimeFigureOut">
               <a:rPr lang="en-US" smtClean="0"/>
-              <a:t>9/9/2022</a:t>
+              <a:t>1/22/2024</a:t>
             </a:fld>
             <a:endParaRPr lang="en-US"/>
           </a:p>
@@ -2393,7 +2399,7 @@
           <a:p>
             <a:fld id="{EF4F237D-D39F-437D-B58E-A56F132280E9}" type="datetimeFigureOut">
               <a:rPr lang="en-US" smtClean="0"/>
-              <a:t>9/9/2022</a:t>
+              <a:t>1/22/2024</a:t>
             </a:fld>
             <a:endParaRPr lang="en-US"/>
           </a:p>
@@ -2682,7 +2688,7 @@
           <a:p>
             <a:fld id="{EF4F237D-D39F-437D-B58E-A56F132280E9}" type="datetimeFigureOut">
               <a:rPr lang="en-US" smtClean="0"/>
-              <a:t>9/9/2022</a:t>
+              <a:t>1/22/2024</a:t>
             </a:fld>
             <a:endParaRPr lang="en-US"/>
           </a:p>
@@ -2925,7 +2931,7 @@
           <a:p>
             <a:fld id="{EF4F237D-D39F-437D-B58E-A56F132280E9}" type="datetimeFigureOut">
               <a:rPr lang="en-US" smtClean="0"/>
-              <a:t>9/9/2022</a:t>
+              <a:t>1/22/2024</a:t>
             </a:fld>
             <a:endParaRPr lang="en-US"/>
           </a:p>
@@ -3370,6 +3376,842 @@
         </p:blipFill>
         <p:spPr>
           <a:xfrm>
+            <a:off x="6192855" y="628383"/>
+            <a:ext cx="1899824" cy="628574"/>
+          </a:xfrm>
+          <a:prstGeom prst="rect">
+            <a:avLst/>
+          </a:prstGeom>
+        </p:spPr>
+      </p:pic>
+      <p:pic>
+        <p:nvPicPr>
+          <p:cNvPr id="19" name="图片 18">
+            <a:extLst>
+              <a:ext uri="{FF2B5EF4-FFF2-40B4-BE49-F238E27FC236}">
+                <a16:creationId xmlns:a16="http://schemas.microsoft.com/office/drawing/2014/main" id="{5507952C-43FF-42CD-A66A-F53900E7F1CF}"/>
+              </a:ext>
+            </a:extLst>
+          </p:cNvPr>
+          <p:cNvPicPr>
+            <a:picLocks noChangeAspect="1"/>
+          </p:cNvPicPr>
+          <p:nvPr/>
+        </p:nvPicPr>
+        <p:blipFill>
+          <a:blip r:embed="rId3">
+            <a:extLst>
+              <a:ext uri="{28A0092B-C50C-407E-A947-70E740481C1C}">
+                <a14:useLocalDpi xmlns:a14="http://schemas.microsoft.com/office/drawing/2010/main" val="0"/>
+              </a:ext>
+            </a:extLst>
+          </a:blip>
+          <a:stretch>
+            <a:fillRect/>
+          </a:stretch>
+        </p:blipFill>
+        <p:spPr>
+          <a:xfrm>
+            <a:off x="4528157" y="628383"/>
+            <a:ext cx="1208798" cy="628575"/>
+          </a:xfrm>
+          <a:prstGeom prst="rect">
+            <a:avLst/>
+          </a:prstGeom>
+        </p:spPr>
+      </p:pic>
+      <p:pic>
+        <p:nvPicPr>
+          <p:cNvPr id="21" name="图片 20">
+            <a:extLst>
+              <a:ext uri="{FF2B5EF4-FFF2-40B4-BE49-F238E27FC236}">
+                <a16:creationId xmlns:a16="http://schemas.microsoft.com/office/drawing/2014/main" id="{DFDF2089-E7F7-4A02-B87B-0FE4BAC2B644}"/>
+              </a:ext>
+            </a:extLst>
+          </p:cNvPr>
+          <p:cNvPicPr>
+            <a:picLocks noChangeAspect="1"/>
+          </p:cNvPicPr>
+          <p:nvPr/>
+        </p:nvPicPr>
+        <p:blipFill>
+          <a:blip r:embed="rId4">
+            <a:extLst>
+              <a:ext uri="{28A0092B-C50C-407E-A947-70E740481C1C}">
+                <a14:useLocalDpi xmlns:a14="http://schemas.microsoft.com/office/drawing/2010/main" val="0"/>
+              </a:ext>
+            </a:extLst>
+          </a:blip>
+          <a:stretch>
+            <a:fillRect/>
+          </a:stretch>
+        </p:blipFill>
+        <p:spPr>
+          <a:xfrm>
+            <a:off x="196269" y="2661737"/>
+            <a:ext cx="1806367" cy="762155"/>
+          </a:xfrm>
+          <a:prstGeom prst="rect">
+            <a:avLst/>
+          </a:prstGeom>
+        </p:spPr>
+      </p:pic>
+      <p:pic>
+        <p:nvPicPr>
+          <p:cNvPr id="23" name="图片 22">
+            <a:extLst>
+              <a:ext uri="{FF2B5EF4-FFF2-40B4-BE49-F238E27FC236}">
+                <a16:creationId xmlns:a16="http://schemas.microsoft.com/office/drawing/2014/main" id="{47326C3D-21E7-4C19-9AC2-E113612BAC9D}"/>
+              </a:ext>
+            </a:extLst>
+          </p:cNvPr>
+          <p:cNvPicPr>
+            <a:picLocks noChangeAspect="1"/>
+          </p:cNvPicPr>
+          <p:nvPr/>
+        </p:nvPicPr>
+        <p:blipFill>
+          <a:blip r:embed="rId5">
+            <a:extLst>
+              <a:ext uri="{28A0092B-C50C-407E-A947-70E740481C1C}">
+                <a14:useLocalDpi xmlns:a14="http://schemas.microsoft.com/office/drawing/2010/main" val="0"/>
+              </a:ext>
+            </a:extLst>
+          </a:blip>
+          <a:stretch>
+            <a:fillRect/>
+          </a:stretch>
+        </p:blipFill>
+        <p:spPr>
+          <a:xfrm>
+            <a:off x="2270233" y="2661736"/>
+            <a:ext cx="1843474" cy="762155"/>
+          </a:xfrm>
+          <a:prstGeom prst="rect">
+            <a:avLst/>
+          </a:prstGeom>
+        </p:spPr>
+      </p:pic>
+      <p:pic>
+        <p:nvPicPr>
+          <p:cNvPr id="25" name="图片 24">
+            <a:extLst>
+              <a:ext uri="{FF2B5EF4-FFF2-40B4-BE49-F238E27FC236}">
+                <a16:creationId xmlns:a16="http://schemas.microsoft.com/office/drawing/2014/main" id="{D8790E13-9655-4334-9666-59DB7586DF85}"/>
+              </a:ext>
+            </a:extLst>
+          </p:cNvPr>
+          <p:cNvPicPr>
+            <a:picLocks noChangeAspect="1"/>
+          </p:cNvPicPr>
+          <p:nvPr/>
+        </p:nvPicPr>
+        <p:blipFill>
+          <a:blip r:embed="rId6">
+            <a:extLst>
+              <a:ext uri="{28A0092B-C50C-407E-A947-70E740481C1C}">
+                <a14:useLocalDpi xmlns:a14="http://schemas.microsoft.com/office/drawing/2010/main" val="0"/>
+              </a:ext>
+            </a:extLst>
+          </a:blip>
+          <a:stretch>
+            <a:fillRect/>
+          </a:stretch>
+        </p:blipFill>
+        <p:spPr>
+          <a:xfrm>
+            <a:off x="6525362" y="2424337"/>
+            <a:ext cx="1288494" cy="1236954"/>
+          </a:xfrm>
+          <a:prstGeom prst="rect">
+            <a:avLst/>
+          </a:prstGeom>
+        </p:spPr>
+      </p:pic>
+      <p:pic>
+        <p:nvPicPr>
+          <p:cNvPr id="27" name="图片 26">
+            <a:extLst>
+              <a:ext uri="{FF2B5EF4-FFF2-40B4-BE49-F238E27FC236}">
+                <a16:creationId xmlns:a16="http://schemas.microsoft.com/office/drawing/2014/main" id="{02E0B50E-5E42-401C-99B7-0A1F33F51098}"/>
+              </a:ext>
+            </a:extLst>
+          </p:cNvPr>
+          <p:cNvPicPr>
+            <a:picLocks noChangeAspect="1"/>
+          </p:cNvPicPr>
+          <p:nvPr/>
+        </p:nvPicPr>
+        <p:blipFill>
+          <a:blip r:embed="rId7">
+            <a:extLst>
+              <a:ext uri="{28A0092B-C50C-407E-A947-70E740481C1C}">
+                <a14:useLocalDpi xmlns:a14="http://schemas.microsoft.com/office/drawing/2010/main" val="0"/>
+              </a:ext>
+            </a:extLst>
+          </a:blip>
+          <a:stretch>
+            <a:fillRect/>
+          </a:stretch>
+        </p:blipFill>
+        <p:spPr>
+          <a:xfrm>
+            <a:off x="4554999" y="2321291"/>
+            <a:ext cx="1376845" cy="1376845"/>
+          </a:xfrm>
+          <a:prstGeom prst="rect">
+            <a:avLst/>
+          </a:prstGeom>
+        </p:spPr>
+      </p:pic>
+      <p:pic>
+        <p:nvPicPr>
+          <p:cNvPr id="1026" name="Picture 2" descr="Google logo - Wikipedia">
+            <a:extLst>
+              <a:ext uri="{FF2B5EF4-FFF2-40B4-BE49-F238E27FC236}">
+                <a16:creationId xmlns:a16="http://schemas.microsoft.com/office/drawing/2014/main" id="{E85243A0-391A-41BF-BD04-EBD0A305C42D}"/>
+              </a:ext>
+            </a:extLst>
+          </p:cNvPr>
+          <p:cNvPicPr>
+            <a:picLocks noChangeAspect="1" noChangeArrowheads="1"/>
+          </p:cNvPicPr>
+          <p:nvPr/>
+        </p:nvPicPr>
+        <p:blipFill>
+          <a:blip r:embed="rId8">
+            <a:extLst>
+              <a:ext uri="{28A0092B-C50C-407E-A947-70E740481C1C}">
+                <a14:useLocalDpi xmlns:a14="http://schemas.microsoft.com/office/drawing/2010/main" val="0"/>
+              </a:ext>
+            </a:extLst>
+          </a:blip>
+          <a:srcRect/>
+          <a:stretch>
+            <a:fillRect/>
+          </a:stretch>
+        </p:blipFill>
+        <p:spPr bwMode="auto">
+          <a:xfrm>
+            <a:off x="2002636" y="561590"/>
+            <a:ext cx="2249904" cy="762155"/>
+          </a:xfrm>
+          <a:prstGeom prst="rect">
+            <a:avLst/>
+          </a:prstGeom>
+          <a:noFill/>
+          <a:extLst>
+            <a:ext uri="{909E8E84-426E-40DD-AFC4-6F175D3DCCD1}">
+              <a14:hiddenFill xmlns:a14="http://schemas.microsoft.com/office/drawing/2010/main">
+                <a:solidFill>
+                  <a:srgbClr val="FFFFFF"/>
+                </a:solidFill>
+              </a14:hiddenFill>
+            </a:ext>
+          </a:extLst>
+        </p:spPr>
+      </p:pic>
+      <p:pic>
+        <p:nvPicPr>
+          <p:cNvPr id="1028" name="Picture 4" descr="Caltech Logo [California Institute of Technology ...">
+            <a:extLst>
+              <a:ext uri="{FF2B5EF4-FFF2-40B4-BE49-F238E27FC236}">
+                <a16:creationId xmlns:a16="http://schemas.microsoft.com/office/drawing/2014/main" id="{E48707C3-623E-4E8A-BC3A-EF4001915E7D}"/>
+              </a:ext>
+            </a:extLst>
+          </p:cNvPr>
+          <p:cNvPicPr>
+            <a:picLocks noChangeAspect="1" noChangeArrowheads="1"/>
+          </p:cNvPicPr>
+          <p:nvPr/>
+        </p:nvPicPr>
+        <p:blipFill>
+          <a:blip r:embed="rId9">
+            <a:extLst>
+              <a:ext uri="{28A0092B-C50C-407E-A947-70E740481C1C}">
+                <a14:useLocalDpi xmlns:a14="http://schemas.microsoft.com/office/drawing/2010/main" val="0"/>
+              </a:ext>
+            </a:extLst>
+          </a:blip>
+          <a:srcRect/>
+          <a:stretch>
+            <a:fillRect/>
+          </a:stretch>
+        </p:blipFill>
+        <p:spPr bwMode="auto">
+          <a:xfrm>
+            <a:off x="247010" y="242435"/>
+            <a:ext cx="1288494" cy="1288494"/>
+          </a:xfrm>
+          <a:prstGeom prst="rect">
+            <a:avLst/>
+          </a:prstGeom>
+          <a:noFill/>
+          <a:extLst>
+            <a:ext uri="{909E8E84-426E-40DD-AFC4-6F175D3DCCD1}">
+              <a14:hiddenFill xmlns:a14="http://schemas.microsoft.com/office/drawing/2010/main">
+                <a:solidFill>
+                  <a:srgbClr val="FFFFFF"/>
+                </a:solidFill>
+              </a14:hiddenFill>
+            </a:ext>
+          </a:extLst>
+        </p:spPr>
+      </p:pic>
+      <p:sp>
+        <p:nvSpPr>
+          <p:cNvPr id="2" name="文本框 1">
+            <a:extLst>
+              <a:ext uri="{FF2B5EF4-FFF2-40B4-BE49-F238E27FC236}">
+                <a16:creationId xmlns:a16="http://schemas.microsoft.com/office/drawing/2014/main" id="{04A83E4F-4267-4773-82EA-B2094F4B1489}"/>
+              </a:ext>
+            </a:extLst>
+          </p:cNvPr>
+          <p:cNvSpPr txBox="1"/>
+          <p:nvPr/>
+        </p:nvSpPr>
+        <p:spPr>
+          <a:xfrm>
+            <a:off x="6503401" y="3698136"/>
+            <a:ext cx="1332416" cy="646331"/>
+          </a:xfrm>
+          <a:prstGeom prst="rect">
+            <a:avLst/>
+          </a:prstGeom>
+          <a:noFill/>
+        </p:spPr>
+        <p:txBody>
+          <a:bodyPr wrap="none" rtlCol="0">
+            <a:spAutoFit/>
+          </a:bodyPr>
+          <a:lstStyle/>
+          <a:p>
+            <a:pPr algn="ctr"/>
+            <a:r>
+              <a:rPr lang="en-US" altLang="zh-CN" b="1" dirty="0">
+                <a:solidFill>
+                  <a:schemeClr val="bg2">
+                    <a:lumMod val="75000"/>
+                  </a:schemeClr>
+                </a:solidFill>
+              </a:rPr>
+              <a:t>Bachelor </a:t>
+            </a:r>
+          </a:p>
+          <a:p>
+            <a:pPr algn="ctr"/>
+            <a:r>
+              <a:rPr lang="en-US" altLang="zh-CN" b="1" dirty="0">
+                <a:solidFill>
+                  <a:schemeClr val="bg2">
+                    <a:lumMod val="75000"/>
+                  </a:schemeClr>
+                </a:solidFill>
+              </a:rPr>
+              <a:t>(2012-2016)</a:t>
+            </a:r>
+            <a:endParaRPr lang="en-US" b="1" dirty="0">
+              <a:solidFill>
+                <a:schemeClr val="bg2">
+                  <a:lumMod val="75000"/>
+                </a:schemeClr>
+              </a:solidFill>
+            </a:endParaRPr>
+          </a:p>
+        </p:txBody>
+      </p:sp>
+      <p:sp>
+        <p:nvSpPr>
+          <p:cNvPr id="11" name="文本框 10">
+            <a:extLst>
+              <a:ext uri="{FF2B5EF4-FFF2-40B4-BE49-F238E27FC236}">
+                <a16:creationId xmlns:a16="http://schemas.microsoft.com/office/drawing/2014/main" id="{6AE191D0-7530-471D-981D-A3D299696019}"/>
+              </a:ext>
+            </a:extLst>
+          </p:cNvPr>
+          <p:cNvSpPr txBox="1"/>
+          <p:nvPr/>
+        </p:nvSpPr>
+        <p:spPr>
+          <a:xfrm>
+            <a:off x="4597825" y="3698135"/>
+            <a:ext cx="1335623" cy="646331"/>
+          </a:xfrm>
+          <a:prstGeom prst="rect">
+            <a:avLst/>
+          </a:prstGeom>
+          <a:noFill/>
+        </p:spPr>
+        <p:txBody>
+          <a:bodyPr wrap="none" rtlCol="0">
+            <a:spAutoFit/>
+          </a:bodyPr>
+          <a:lstStyle/>
+          <a:p>
+            <a:pPr algn="ctr"/>
+            <a:r>
+              <a:rPr lang="en-US" altLang="zh-CN" b="1" dirty="0">
+                <a:solidFill>
+                  <a:schemeClr val="bg2">
+                    <a:lumMod val="75000"/>
+                  </a:schemeClr>
+                </a:solidFill>
+              </a:rPr>
+              <a:t>PhD </a:t>
+            </a:r>
+          </a:p>
+          <a:p>
+            <a:pPr algn="ctr"/>
+            <a:r>
+              <a:rPr lang="en-US" altLang="zh-CN" b="1" dirty="0">
+                <a:solidFill>
+                  <a:schemeClr val="bg2">
+                    <a:lumMod val="75000"/>
+                  </a:schemeClr>
+                </a:solidFill>
+              </a:rPr>
+              <a:t>(2016-2021)</a:t>
+            </a:r>
+            <a:endParaRPr lang="en-US" b="1" dirty="0">
+              <a:solidFill>
+                <a:schemeClr val="bg2">
+                  <a:lumMod val="75000"/>
+                </a:schemeClr>
+              </a:solidFill>
+            </a:endParaRPr>
+          </a:p>
+        </p:txBody>
+      </p:sp>
+      <p:sp>
+        <p:nvSpPr>
+          <p:cNvPr id="12" name="文本框 11">
+            <a:extLst>
+              <a:ext uri="{FF2B5EF4-FFF2-40B4-BE49-F238E27FC236}">
+                <a16:creationId xmlns:a16="http://schemas.microsoft.com/office/drawing/2014/main" id="{0C0A3D70-0831-4D70-8D34-68D1A0D4F1B7}"/>
+              </a:ext>
+            </a:extLst>
+          </p:cNvPr>
+          <p:cNvSpPr txBox="1"/>
+          <p:nvPr/>
+        </p:nvSpPr>
+        <p:spPr>
+          <a:xfrm>
+            <a:off x="2410997" y="3698134"/>
+            <a:ext cx="1702710" cy="646331"/>
+          </a:xfrm>
+          <a:prstGeom prst="rect">
+            <a:avLst/>
+          </a:prstGeom>
+          <a:noFill/>
+        </p:spPr>
+        <p:txBody>
+          <a:bodyPr wrap="none" rtlCol="0">
+            <a:spAutoFit/>
+          </a:bodyPr>
+          <a:lstStyle/>
+          <a:p>
+            <a:pPr algn="ctr"/>
+            <a:r>
+              <a:rPr lang="en-US" altLang="zh-CN" b="1" dirty="0">
+                <a:solidFill>
+                  <a:schemeClr val="bg2">
+                    <a:lumMod val="75000"/>
+                  </a:schemeClr>
+                </a:solidFill>
+              </a:rPr>
+              <a:t>Visiting Scholar </a:t>
+            </a:r>
+          </a:p>
+          <a:p>
+            <a:pPr algn="ctr"/>
+            <a:r>
+              <a:rPr lang="en-US" altLang="zh-CN" b="1" dirty="0">
+                <a:solidFill>
+                  <a:schemeClr val="bg2">
+                    <a:lumMod val="75000"/>
+                  </a:schemeClr>
+                </a:solidFill>
+              </a:rPr>
+              <a:t>(2017)</a:t>
+            </a:r>
+            <a:endParaRPr lang="en-US" b="1" dirty="0">
+              <a:solidFill>
+                <a:schemeClr val="bg2">
+                  <a:lumMod val="75000"/>
+                </a:schemeClr>
+              </a:solidFill>
+            </a:endParaRPr>
+          </a:p>
+        </p:txBody>
+      </p:sp>
+      <p:sp>
+        <p:nvSpPr>
+          <p:cNvPr id="13" name="文本框 12">
+            <a:extLst>
+              <a:ext uri="{FF2B5EF4-FFF2-40B4-BE49-F238E27FC236}">
+                <a16:creationId xmlns:a16="http://schemas.microsoft.com/office/drawing/2014/main" id="{B754630A-1CEB-4986-B3B8-7873A94878D5}"/>
+              </a:ext>
+            </a:extLst>
+          </p:cNvPr>
+          <p:cNvSpPr txBox="1"/>
+          <p:nvPr/>
+        </p:nvSpPr>
+        <p:spPr>
+          <a:xfrm>
+            <a:off x="299926" y="3698134"/>
+            <a:ext cx="1702710" cy="646331"/>
+          </a:xfrm>
+          <a:prstGeom prst="rect">
+            <a:avLst/>
+          </a:prstGeom>
+          <a:noFill/>
+        </p:spPr>
+        <p:txBody>
+          <a:bodyPr wrap="none" rtlCol="0">
+            <a:spAutoFit/>
+          </a:bodyPr>
+          <a:lstStyle/>
+          <a:p>
+            <a:pPr algn="ctr"/>
+            <a:r>
+              <a:rPr lang="en-US" altLang="zh-CN" b="1" dirty="0">
+                <a:solidFill>
+                  <a:schemeClr val="bg2">
+                    <a:lumMod val="75000"/>
+                  </a:schemeClr>
+                </a:solidFill>
+              </a:rPr>
+              <a:t>Visiting Scholar </a:t>
+            </a:r>
+          </a:p>
+          <a:p>
+            <a:pPr algn="ctr"/>
+            <a:r>
+              <a:rPr lang="en-US" altLang="zh-CN" b="1" dirty="0">
+                <a:solidFill>
+                  <a:schemeClr val="bg2">
+                    <a:lumMod val="75000"/>
+                  </a:schemeClr>
+                </a:solidFill>
+              </a:rPr>
+              <a:t>(2018)</a:t>
+            </a:r>
+            <a:endParaRPr lang="en-US" b="1" dirty="0">
+              <a:solidFill>
+                <a:schemeClr val="bg2">
+                  <a:lumMod val="75000"/>
+                </a:schemeClr>
+              </a:solidFill>
+            </a:endParaRPr>
+          </a:p>
+        </p:txBody>
+      </p:sp>
+      <p:sp>
+        <p:nvSpPr>
+          <p:cNvPr id="14" name="文本框 13">
+            <a:extLst>
+              <a:ext uri="{FF2B5EF4-FFF2-40B4-BE49-F238E27FC236}">
+                <a16:creationId xmlns:a16="http://schemas.microsoft.com/office/drawing/2014/main" id="{01214FCB-DE8E-4E7D-A9E3-EF5C9A400C71}"/>
+              </a:ext>
+            </a:extLst>
+          </p:cNvPr>
+          <p:cNvSpPr txBox="1"/>
+          <p:nvPr/>
+        </p:nvSpPr>
+        <p:spPr>
+          <a:xfrm>
+            <a:off x="6373041" y="1586915"/>
+            <a:ext cx="1719638" cy="646331"/>
+          </a:xfrm>
+          <a:prstGeom prst="rect">
+            <a:avLst/>
+          </a:prstGeom>
+          <a:noFill/>
+        </p:spPr>
+        <p:txBody>
+          <a:bodyPr wrap="none" rtlCol="0">
+            <a:spAutoFit/>
+          </a:bodyPr>
+          <a:lstStyle/>
+          <a:p>
+            <a:pPr algn="ctr"/>
+            <a:r>
+              <a:rPr lang="en-US" altLang="zh-CN" b="1" dirty="0">
+                <a:solidFill>
+                  <a:schemeClr val="bg2">
+                    <a:lumMod val="75000"/>
+                  </a:schemeClr>
+                </a:solidFill>
+              </a:rPr>
+              <a:t>Academic Guest</a:t>
+            </a:r>
+          </a:p>
+          <a:p>
+            <a:pPr algn="ctr"/>
+            <a:r>
+              <a:rPr lang="en-US" altLang="zh-CN" b="1" dirty="0">
+                <a:solidFill>
+                  <a:schemeClr val="bg2">
+                    <a:lumMod val="75000"/>
+                  </a:schemeClr>
+                </a:solidFill>
+              </a:rPr>
+              <a:t>(2019-2021)</a:t>
+            </a:r>
+            <a:endParaRPr lang="en-US" b="1" dirty="0">
+              <a:solidFill>
+                <a:schemeClr val="bg2">
+                  <a:lumMod val="75000"/>
+                </a:schemeClr>
+              </a:solidFill>
+            </a:endParaRPr>
+          </a:p>
+        </p:txBody>
+      </p:sp>
+      <p:sp>
+        <p:nvSpPr>
+          <p:cNvPr id="15" name="文本框 14">
+            <a:extLst>
+              <a:ext uri="{FF2B5EF4-FFF2-40B4-BE49-F238E27FC236}">
+                <a16:creationId xmlns:a16="http://schemas.microsoft.com/office/drawing/2014/main" id="{C5916265-6ED8-4354-A535-AC9E977EFC87}"/>
+              </a:ext>
+            </a:extLst>
+          </p:cNvPr>
+          <p:cNvSpPr txBox="1"/>
+          <p:nvPr/>
+        </p:nvSpPr>
+        <p:spPr>
+          <a:xfrm>
+            <a:off x="4540300" y="1586915"/>
+            <a:ext cx="1335623" cy="646331"/>
+          </a:xfrm>
+          <a:prstGeom prst="rect">
+            <a:avLst/>
+          </a:prstGeom>
+          <a:noFill/>
+        </p:spPr>
+        <p:txBody>
+          <a:bodyPr wrap="none" rtlCol="0">
+            <a:spAutoFit/>
+          </a:bodyPr>
+          <a:lstStyle/>
+          <a:p>
+            <a:pPr algn="ctr"/>
+            <a:r>
+              <a:rPr lang="en-US" altLang="zh-CN" b="1" dirty="0">
+                <a:solidFill>
+                  <a:schemeClr val="bg2">
+                    <a:lumMod val="75000"/>
+                  </a:schemeClr>
+                </a:solidFill>
+              </a:rPr>
+              <a:t>Postdoc</a:t>
+            </a:r>
+          </a:p>
+          <a:p>
+            <a:pPr algn="ctr"/>
+            <a:r>
+              <a:rPr lang="en-US" altLang="zh-CN" b="1" dirty="0">
+                <a:solidFill>
+                  <a:schemeClr val="bg2">
+                    <a:lumMod val="75000"/>
+                  </a:schemeClr>
+                </a:solidFill>
+              </a:rPr>
+              <a:t>(2021-2023)</a:t>
+            </a:r>
+            <a:endParaRPr lang="en-US" b="1" dirty="0">
+              <a:solidFill>
+                <a:schemeClr val="bg2">
+                  <a:lumMod val="75000"/>
+                </a:schemeClr>
+              </a:solidFill>
+            </a:endParaRPr>
+          </a:p>
+        </p:txBody>
+      </p:sp>
+      <p:sp>
+        <p:nvSpPr>
+          <p:cNvPr id="16" name="文本框 15">
+            <a:extLst>
+              <a:ext uri="{FF2B5EF4-FFF2-40B4-BE49-F238E27FC236}">
+                <a16:creationId xmlns:a16="http://schemas.microsoft.com/office/drawing/2014/main" id="{7C409D9B-D2D7-453C-AEAC-63103D71F7B3}"/>
+              </a:ext>
+            </a:extLst>
+          </p:cNvPr>
+          <p:cNvSpPr txBox="1"/>
+          <p:nvPr/>
+        </p:nvSpPr>
+        <p:spPr>
+          <a:xfrm>
+            <a:off x="2082998" y="1586915"/>
+            <a:ext cx="1901354" cy="646331"/>
+          </a:xfrm>
+          <a:prstGeom prst="rect">
+            <a:avLst/>
+          </a:prstGeom>
+          <a:noFill/>
+        </p:spPr>
+        <p:txBody>
+          <a:bodyPr wrap="none" rtlCol="0">
+            <a:spAutoFit/>
+          </a:bodyPr>
+          <a:lstStyle/>
+          <a:p>
+            <a:pPr algn="ctr"/>
+            <a:r>
+              <a:rPr lang="en-US" altLang="zh-CN" b="1" dirty="0">
+                <a:solidFill>
+                  <a:schemeClr val="bg2">
+                    <a:lumMod val="75000"/>
+                  </a:schemeClr>
+                </a:solidFill>
+              </a:rPr>
+              <a:t>Research Scientist</a:t>
+            </a:r>
+          </a:p>
+          <a:p>
+            <a:pPr algn="ctr"/>
+            <a:r>
+              <a:rPr lang="en-US" altLang="zh-CN" b="1" dirty="0">
+                <a:solidFill>
+                  <a:schemeClr val="bg2">
+                    <a:lumMod val="75000"/>
+                  </a:schemeClr>
+                </a:solidFill>
+              </a:rPr>
+              <a:t>(2023)</a:t>
+            </a:r>
+            <a:endParaRPr lang="en-US" b="1" dirty="0">
+              <a:solidFill>
+                <a:schemeClr val="bg2">
+                  <a:lumMod val="75000"/>
+                </a:schemeClr>
+              </a:solidFill>
+            </a:endParaRPr>
+          </a:p>
+        </p:txBody>
+      </p:sp>
+      <p:sp>
+        <p:nvSpPr>
+          <p:cNvPr id="18" name="文本框 17">
+            <a:extLst>
+              <a:ext uri="{FF2B5EF4-FFF2-40B4-BE49-F238E27FC236}">
+                <a16:creationId xmlns:a16="http://schemas.microsoft.com/office/drawing/2014/main" id="{0F93BB78-1C1D-49B3-ADD9-1DC3410E7693}"/>
+              </a:ext>
+            </a:extLst>
+          </p:cNvPr>
+          <p:cNvSpPr txBox="1"/>
+          <p:nvPr/>
+        </p:nvSpPr>
+        <p:spPr>
+          <a:xfrm>
+            <a:off x="565288" y="1598696"/>
+            <a:ext cx="973343" cy="646331"/>
+          </a:xfrm>
+          <a:prstGeom prst="rect">
+            <a:avLst/>
+          </a:prstGeom>
+          <a:noFill/>
+        </p:spPr>
+        <p:txBody>
+          <a:bodyPr wrap="none" rtlCol="0">
+            <a:spAutoFit/>
+          </a:bodyPr>
+          <a:lstStyle/>
+          <a:p>
+            <a:pPr algn="ctr"/>
+            <a:r>
+              <a:rPr lang="en-US" altLang="zh-CN" b="1" dirty="0">
+                <a:solidFill>
+                  <a:schemeClr val="bg2">
+                    <a:lumMod val="75000"/>
+                  </a:schemeClr>
+                </a:solidFill>
+              </a:rPr>
+              <a:t>Postdoc</a:t>
+            </a:r>
+          </a:p>
+          <a:p>
+            <a:pPr algn="ctr"/>
+            <a:r>
+              <a:rPr lang="en-US" altLang="zh-CN" b="1" dirty="0">
+                <a:solidFill>
+                  <a:schemeClr val="bg2">
+                    <a:lumMod val="75000"/>
+                  </a:schemeClr>
+                </a:solidFill>
+              </a:rPr>
+              <a:t>(2024 - )</a:t>
+            </a:r>
+            <a:endParaRPr lang="en-US" b="1" dirty="0">
+              <a:solidFill>
+                <a:schemeClr val="bg2">
+                  <a:lumMod val="75000"/>
+                </a:schemeClr>
+              </a:solidFill>
+            </a:endParaRPr>
+          </a:p>
+        </p:txBody>
+      </p:sp>
+    </p:spTree>
+    <p:extLst>
+      <p:ext uri="{BB962C8B-B14F-4D97-AF65-F5344CB8AC3E}">
+        <p14:creationId xmlns:p14="http://schemas.microsoft.com/office/powerpoint/2010/main" val="3251803142"/>
+      </p:ext>
+    </p:extLst>
+  </p:cSld>
+  <p:clrMapOvr>
+    <a:masterClrMapping/>
+  </p:clrMapOvr>
+</p:sld>
+</file>
+
+<file path=ppt/slides/slide2.xml><?xml version="1.0" encoding="utf-8"?>
+<p:sld xmlns:a="http://schemas.openxmlformats.org/drawingml/2006/main" xmlns:r="http://schemas.openxmlformats.org/officeDocument/2006/relationships" xmlns:p="http://schemas.openxmlformats.org/presentationml/2006/main">
+  <p:cSld>
+    <p:spTree>
+      <p:nvGrpSpPr>
+        <p:cNvPr id="1" name=""/>
+        <p:cNvGrpSpPr/>
+        <p:nvPr/>
+      </p:nvGrpSpPr>
+      <p:grpSpPr>
+        <a:xfrm>
+          <a:off x="0" y="0"/>
+          <a:ext cx="0" cy="0"/>
+          <a:chOff x="0" y="0"/>
+          <a:chExt cx="0" cy="0"/>
+        </a:xfrm>
+      </p:grpSpPr>
+      <p:pic>
+        <p:nvPicPr>
+          <p:cNvPr id="17" name="图片 16">
+            <a:extLst>
+              <a:ext uri="{FF2B5EF4-FFF2-40B4-BE49-F238E27FC236}">
+                <a16:creationId xmlns:a16="http://schemas.microsoft.com/office/drawing/2014/main" id="{D772646A-C45C-481B-AE18-26C174D31EF7}"/>
+              </a:ext>
+            </a:extLst>
+          </p:cNvPr>
+          <p:cNvPicPr>
+            <a:picLocks noChangeAspect="1"/>
+          </p:cNvPicPr>
+          <p:nvPr/>
+        </p:nvPicPr>
+        <p:blipFill>
+          <a:blip r:embed="rId2">
+            <a:extLst>
+              <a:ext uri="{28A0092B-C50C-407E-A947-70E740481C1C}">
+                <a14:useLocalDpi xmlns:a14="http://schemas.microsoft.com/office/drawing/2010/main" val="0"/>
+              </a:ext>
+            </a:extLst>
+          </a:blip>
+          <a:stretch>
+            <a:fillRect/>
+          </a:stretch>
+        </p:blipFill>
+        <p:spPr>
+          <a:xfrm>
             <a:off x="2237051" y="2888056"/>
             <a:ext cx="1993642" cy="659615"/>
           </a:xfrm>

--- a/assets/img/affiliations/compound_logo.pptx
+++ b/assets/img/affiliations/compound_logo.pptx
@@ -262,7 +262,7 @@
           <a:p>
             <a:fld id="{EF4F237D-D39F-437D-B58E-A56F132280E9}" type="datetimeFigureOut">
               <a:rPr lang="en-US" smtClean="0"/>
-              <a:t>1/22/2024</a:t>
+              <a:t>5/8/2025</a:t>
             </a:fld>
             <a:endParaRPr lang="en-US"/>
           </a:p>
@@ -462,7 +462,7 @@
           <a:p>
             <a:fld id="{EF4F237D-D39F-437D-B58E-A56F132280E9}" type="datetimeFigureOut">
               <a:rPr lang="en-US" smtClean="0"/>
-              <a:t>1/22/2024</a:t>
+              <a:t>5/8/2025</a:t>
             </a:fld>
             <a:endParaRPr lang="en-US"/>
           </a:p>
@@ -672,7 +672,7 @@
           <a:p>
             <a:fld id="{EF4F237D-D39F-437D-B58E-A56F132280E9}" type="datetimeFigureOut">
               <a:rPr lang="en-US" smtClean="0"/>
-              <a:t>1/22/2024</a:t>
+              <a:t>5/8/2025</a:t>
             </a:fld>
             <a:endParaRPr lang="en-US"/>
           </a:p>
@@ -872,7 +872,7 @@
           <a:p>
             <a:fld id="{EF4F237D-D39F-437D-B58E-A56F132280E9}" type="datetimeFigureOut">
               <a:rPr lang="en-US" smtClean="0"/>
-              <a:t>1/22/2024</a:t>
+              <a:t>5/8/2025</a:t>
             </a:fld>
             <a:endParaRPr lang="en-US"/>
           </a:p>
@@ -1148,7 +1148,7 @@
           <a:p>
             <a:fld id="{EF4F237D-D39F-437D-B58E-A56F132280E9}" type="datetimeFigureOut">
               <a:rPr lang="en-US" smtClean="0"/>
-              <a:t>1/22/2024</a:t>
+              <a:t>5/8/2025</a:t>
             </a:fld>
             <a:endParaRPr lang="en-US"/>
           </a:p>
@@ -1416,7 +1416,7 @@
           <a:p>
             <a:fld id="{EF4F237D-D39F-437D-B58E-A56F132280E9}" type="datetimeFigureOut">
               <a:rPr lang="en-US" smtClean="0"/>
-              <a:t>1/22/2024</a:t>
+              <a:t>5/8/2025</a:t>
             </a:fld>
             <a:endParaRPr lang="en-US"/>
           </a:p>
@@ -1831,7 +1831,7 @@
           <a:p>
             <a:fld id="{EF4F237D-D39F-437D-B58E-A56F132280E9}" type="datetimeFigureOut">
               <a:rPr lang="en-US" smtClean="0"/>
-              <a:t>1/22/2024</a:t>
+              <a:t>5/8/2025</a:t>
             </a:fld>
             <a:endParaRPr lang="en-US"/>
           </a:p>
@@ -1973,7 +1973,7 @@
           <a:p>
             <a:fld id="{EF4F237D-D39F-437D-B58E-A56F132280E9}" type="datetimeFigureOut">
               <a:rPr lang="en-US" smtClean="0"/>
-              <a:t>1/22/2024</a:t>
+              <a:t>5/8/2025</a:t>
             </a:fld>
             <a:endParaRPr lang="en-US"/>
           </a:p>
@@ -2086,7 +2086,7 @@
           <a:p>
             <a:fld id="{EF4F237D-D39F-437D-B58E-A56F132280E9}" type="datetimeFigureOut">
               <a:rPr lang="en-US" smtClean="0"/>
-              <a:t>1/22/2024</a:t>
+              <a:t>5/8/2025</a:t>
             </a:fld>
             <a:endParaRPr lang="en-US"/>
           </a:p>
@@ -2399,7 +2399,7 @@
           <a:p>
             <a:fld id="{EF4F237D-D39F-437D-B58E-A56F132280E9}" type="datetimeFigureOut">
               <a:rPr lang="en-US" smtClean="0"/>
-              <a:t>1/22/2024</a:t>
+              <a:t>5/8/2025</a:t>
             </a:fld>
             <a:endParaRPr lang="en-US"/>
           </a:p>
@@ -2688,7 +2688,7 @@
           <a:p>
             <a:fld id="{EF4F237D-D39F-437D-B58E-A56F132280E9}" type="datetimeFigureOut">
               <a:rPr lang="en-US" smtClean="0"/>
-              <a:t>1/22/2024</a:t>
+              <a:t>5/8/2025</a:t>
             </a:fld>
             <a:endParaRPr lang="en-US"/>
           </a:p>
@@ -2931,7 +2931,7 @@
           <a:p>
             <a:fld id="{EF4F237D-D39F-437D-B58E-A56F132280E9}" type="datetimeFigureOut">
               <a:rPr lang="en-US" smtClean="0"/>
-              <a:t>1/22/2024</a:t>
+              <a:t>5/8/2025</a:t>
             </a:fld>
             <a:endParaRPr lang="en-US"/>
           </a:p>
@@ -3376,7 +3376,7 @@
         </p:blipFill>
         <p:spPr>
           <a:xfrm>
-            <a:off x="6192855" y="628383"/>
+            <a:off x="488584" y="4281059"/>
             <a:ext cx="1899824" cy="628574"/>
           </a:xfrm>
           <a:prstGeom prst="rect">
@@ -3412,7 +3412,7 @@
         </p:blipFill>
         <p:spPr>
           <a:xfrm>
-            <a:off x="4528157" y="628383"/>
+            <a:off x="8925826" y="2267860"/>
             <a:ext cx="1208798" cy="628575"/>
           </a:xfrm>
           <a:prstGeom prst="rect">
@@ -3448,7 +3448,7 @@
         </p:blipFill>
         <p:spPr>
           <a:xfrm>
-            <a:off x="196269" y="2661737"/>
+            <a:off x="2656005" y="4216217"/>
             <a:ext cx="1806367" cy="762155"/>
           </a:xfrm>
           <a:prstGeom prst="rect">
@@ -3484,7 +3484,7 @@
         </p:blipFill>
         <p:spPr>
           <a:xfrm>
-            <a:off x="2270233" y="2661736"/>
+            <a:off x="4729969" y="4216216"/>
             <a:ext cx="1843474" cy="762155"/>
           </a:xfrm>
           <a:prstGeom prst="rect">
@@ -3520,7 +3520,7 @@
         </p:blipFill>
         <p:spPr>
           <a:xfrm>
-            <a:off x="6525362" y="2424337"/>
+            <a:off x="8985098" y="3978817"/>
             <a:ext cx="1288494" cy="1236954"/>
           </a:xfrm>
           <a:prstGeom prst="rect">
@@ -3556,7 +3556,7 @@
         </p:blipFill>
         <p:spPr>
           <a:xfrm>
-            <a:off x="4554999" y="2321291"/>
+            <a:off x="7014735" y="3875771"/>
             <a:ext cx="1376845" cy="1376845"/>
           </a:xfrm>
           <a:prstGeom prst="rect">
@@ -3593,7 +3593,7 @@
         </p:blipFill>
         <p:spPr bwMode="auto">
           <a:xfrm>
-            <a:off x="2002636" y="561590"/>
+            <a:off x="6231420" y="2201067"/>
             <a:ext cx="2249904" cy="762155"/>
           </a:xfrm>
           <a:prstGeom prst="rect">
@@ -3640,7 +3640,7 @@
         </p:blipFill>
         <p:spPr bwMode="auto">
           <a:xfrm>
-            <a:off x="247010" y="242435"/>
+            <a:off x="4201053" y="1937898"/>
             <a:ext cx="1288494" cy="1288494"/>
           </a:xfrm>
           <a:prstGeom prst="rect">
@@ -3672,7 +3672,7 @@
         </p:nvSpPr>
         <p:spPr>
           <a:xfrm>
-            <a:off x="6503401" y="3698136"/>
+            <a:off x="8963137" y="5252616"/>
             <a:ext cx="1332416" cy="646331"/>
           </a:xfrm>
           <a:prstGeom prst="rect">
@@ -3734,7 +3734,7 @@
         </p:nvSpPr>
         <p:spPr>
           <a:xfrm>
-            <a:off x="4597825" y="3698135"/>
+            <a:off x="7057561" y="5252615"/>
             <a:ext cx="1335623" cy="646331"/>
           </a:xfrm>
           <a:prstGeom prst="rect">
@@ -3796,7 +3796,7 @@
         </p:nvSpPr>
         <p:spPr>
           <a:xfrm>
-            <a:off x="2410997" y="3698134"/>
+            <a:off x="4870733" y="5252614"/>
             <a:ext cx="1702710" cy="646331"/>
           </a:xfrm>
           <a:prstGeom prst="rect">
@@ -3858,7 +3858,7 @@
         </p:nvSpPr>
         <p:spPr>
           <a:xfrm>
-            <a:off x="299926" y="3698134"/>
+            <a:off x="2759662" y="5252614"/>
             <a:ext cx="1702710" cy="646331"/>
           </a:xfrm>
           <a:prstGeom prst="rect">
@@ -3920,7 +3920,7 @@
         </p:nvSpPr>
         <p:spPr>
           <a:xfrm>
-            <a:off x="6373041" y="1586915"/>
+            <a:off x="668770" y="5239591"/>
             <a:ext cx="1719638" cy="646331"/>
           </a:xfrm>
           <a:prstGeom prst="rect">
@@ -3982,7 +3982,7 @@
         </p:nvSpPr>
         <p:spPr>
           <a:xfrm>
-            <a:off x="4540300" y="1586915"/>
+            <a:off x="8937969" y="3226392"/>
             <a:ext cx="1335623" cy="646331"/>
           </a:xfrm>
           <a:prstGeom prst="rect">
@@ -4044,7 +4044,7 @@
         </p:nvSpPr>
         <p:spPr>
           <a:xfrm>
-            <a:off x="2082998" y="1586915"/>
+            <a:off x="6405695" y="3229439"/>
             <a:ext cx="1901354" cy="646331"/>
           </a:xfrm>
           <a:prstGeom prst="rect">
@@ -4106,8 +4106,8 @@
         </p:nvSpPr>
         <p:spPr>
           <a:xfrm>
-            <a:off x="565288" y="1598696"/>
-            <a:ext cx="973343" cy="646331"/>
+            <a:off x="4258768" y="3220295"/>
+            <a:ext cx="1441420" cy="646331"/>
           </a:xfrm>
           <a:prstGeom prst="rect">
             <a:avLst/>
@@ -4142,7 +4142,105 @@
                   </a:schemeClr>
                 </a:solidFill>
               </a:rPr>
-              <a:t>(2024 - )</a:t>
+              <a:t>(2024 -2025 )</a:t>
+            </a:r>
+            <a:endParaRPr lang="en-US" b="1" dirty="0">
+              <a:solidFill>
+                <a:schemeClr val="bg2">
+                  <a:lumMod val="75000"/>
+                </a:schemeClr>
+              </a:solidFill>
+            </a:endParaRPr>
+          </a:p>
+        </p:txBody>
+      </p:sp>
+      <p:pic>
+        <p:nvPicPr>
+          <p:cNvPr id="4" name="图片 3">
+            <a:extLst>
+              <a:ext uri="{FF2B5EF4-FFF2-40B4-BE49-F238E27FC236}">
+                <a16:creationId xmlns:a16="http://schemas.microsoft.com/office/drawing/2014/main" id="{B8B5723E-E251-4141-AB1F-9AFB74833536}"/>
+              </a:ext>
+            </a:extLst>
+          </p:cNvPr>
+          <p:cNvPicPr>
+            <a:picLocks noChangeAspect="1"/>
+          </p:cNvPicPr>
+          <p:nvPr/>
+        </p:nvPicPr>
+        <p:blipFill>
+          <a:blip r:embed="rId10">
+            <a:extLst>
+              <a:ext uri="{28A0092B-C50C-407E-A947-70E740481C1C}">
+                <a14:useLocalDpi xmlns:a14="http://schemas.microsoft.com/office/drawing/2010/main" val="0"/>
+              </a:ext>
+            </a:extLst>
+          </a:blip>
+          <a:stretch>
+            <a:fillRect/>
+          </a:stretch>
+        </p:blipFill>
+        <p:spPr>
+          <a:xfrm>
+            <a:off x="601865" y="2329185"/>
+            <a:ext cx="3297058" cy="677656"/>
+          </a:xfrm>
+          <a:prstGeom prst="rect">
+            <a:avLst/>
+          </a:prstGeom>
+        </p:spPr>
+      </p:pic>
+      <p:sp>
+        <p:nvSpPr>
+          <p:cNvPr id="20" name="文本框 19">
+            <a:extLst>
+              <a:ext uri="{FF2B5EF4-FFF2-40B4-BE49-F238E27FC236}">
+                <a16:creationId xmlns:a16="http://schemas.microsoft.com/office/drawing/2014/main" id="{BC304A06-8EFF-491F-9329-F311FE51FC36}"/>
+              </a:ext>
+            </a:extLst>
+          </p:cNvPr>
+          <p:cNvSpPr txBox="1"/>
+          <p:nvPr/>
+        </p:nvSpPr>
+        <p:spPr>
+          <a:xfrm>
+            <a:off x="1252044" y="3229439"/>
+            <a:ext cx="1996700" cy="646331"/>
+          </a:xfrm>
+          <a:prstGeom prst="rect">
+            <a:avLst/>
+          </a:prstGeom>
+          <a:noFill/>
+        </p:spPr>
+        <p:txBody>
+          <a:bodyPr wrap="none" rtlCol="0">
+            <a:spAutoFit/>
+          </a:bodyPr>
+          <a:lstStyle/>
+          <a:p>
+            <a:pPr algn="ctr"/>
+            <a:r>
+              <a:rPr lang="en-US" altLang="zh-CN" b="1" dirty="0">
+                <a:solidFill>
+                  <a:schemeClr val="bg2">
+                    <a:lumMod val="75000"/>
+                  </a:schemeClr>
+                </a:solidFill>
+              </a:rPr>
+              <a:t>Assistant Professor</a:t>
+            </a:r>
+          </a:p>
+          <a:p>
+            <a:pPr algn="ctr"/>
+            <a:r>
+              <a:rPr lang="en-US" altLang="zh-CN" b="1" dirty="0">
+                <a:solidFill>
+                  <a:schemeClr val="bg2">
+                    <a:lumMod val="75000"/>
+                  </a:schemeClr>
+                </a:solidFill>
+              </a:rPr>
+              <a:t>(2025 )</a:t>
             </a:r>
             <a:endParaRPr lang="en-US" b="1" dirty="0">
               <a:solidFill>

--- a/assets/img/affiliations/compound_logo.pptx
+++ b/assets/img/affiliations/compound_logo.pptx
@@ -262,7 +262,7 @@
           <a:p>
             <a:fld id="{EF4F237D-D39F-437D-B58E-A56F132280E9}" type="datetimeFigureOut">
               <a:rPr lang="en-US" smtClean="0"/>
-              <a:t>5/8/2025</a:t>
+              <a:t>8/18/2025</a:t>
             </a:fld>
             <a:endParaRPr lang="en-US"/>
           </a:p>
@@ -462,7 +462,7 @@
           <a:p>
             <a:fld id="{EF4F237D-D39F-437D-B58E-A56F132280E9}" type="datetimeFigureOut">
               <a:rPr lang="en-US" smtClean="0"/>
-              <a:t>5/8/2025</a:t>
+              <a:t>8/18/2025</a:t>
             </a:fld>
             <a:endParaRPr lang="en-US"/>
           </a:p>
@@ -672,7 +672,7 @@
           <a:p>
             <a:fld id="{EF4F237D-D39F-437D-B58E-A56F132280E9}" type="datetimeFigureOut">
               <a:rPr lang="en-US" smtClean="0"/>
-              <a:t>5/8/2025</a:t>
+              <a:t>8/18/2025</a:t>
             </a:fld>
             <a:endParaRPr lang="en-US"/>
           </a:p>
@@ -872,7 +872,7 @@
           <a:p>
             <a:fld id="{EF4F237D-D39F-437D-B58E-A56F132280E9}" type="datetimeFigureOut">
               <a:rPr lang="en-US" smtClean="0"/>
-              <a:t>5/8/2025</a:t>
+              <a:t>8/18/2025</a:t>
             </a:fld>
             <a:endParaRPr lang="en-US"/>
           </a:p>
@@ -1148,7 +1148,7 @@
           <a:p>
             <a:fld id="{EF4F237D-D39F-437D-B58E-A56F132280E9}" type="datetimeFigureOut">
               <a:rPr lang="en-US" smtClean="0"/>
-              <a:t>5/8/2025</a:t>
+              <a:t>8/18/2025</a:t>
             </a:fld>
             <a:endParaRPr lang="en-US"/>
           </a:p>
@@ -1416,7 +1416,7 @@
           <a:p>
             <a:fld id="{EF4F237D-D39F-437D-B58E-A56F132280E9}" type="datetimeFigureOut">
               <a:rPr lang="en-US" smtClean="0"/>
-              <a:t>5/8/2025</a:t>
+              <a:t>8/18/2025</a:t>
             </a:fld>
             <a:endParaRPr lang="en-US"/>
           </a:p>
@@ -1831,7 +1831,7 @@
           <a:p>
             <a:fld id="{EF4F237D-D39F-437D-B58E-A56F132280E9}" type="datetimeFigureOut">
               <a:rPr lang="en-US" smtClean="0"/>
-              <a:t>5/8/2025</a:t>
+              <a:t>8/18/2025</a:t>
             </a:fld>
             <a:endParaRPr lang="en-US"/>
           </a:p>
@@ -1973,7 +1973,7 @@
           <a:p>
             <a:fld id="{EF4F237D-D39F-437D-B58E-A56F132280E9}" type="datetimeFigureOut">
               <a:rPr lang="en-US" smtClean="0"/>
-              <a:t>5/8/2025</a:t>
+              <a:t>8/18/2025</a:t>
             </a:fld>
             <a:endParaRPr lang="en-US"/>
           </a:p>
@@ -2086,7 +2086,7 @@
           <a:p>
             <a:fld id="{EF4F237D-D39F-437D-B58E-A56F132280E9}" type="datetimeFigureOut">
               <a:rPr lang="en-US" smtClean="0"/>
-              <a:t>5/8/2025</a:t>
+              <a:t>8/18/2025</a:t>
             </a:fld>
             <a:endParaRPr lang="en-US"/>
           </a:p>
@@ -2399,7 +2399,7 @@
           <a:p>
             <a:fld id="{EF4F237D-D39F-437D-B58E-A56F132280E9}" type="datetimeFigureOut">
               <a:rPr lang="en-US" smtClean="0"/>
-              <a:t>5/8/2025</a:t>
+              <a:t>8/18/2025</a:t>
             </a:fld>
             <a:endParaRPr lang="en-US"/>
           </a:p>
@@ -2688,7 +2688,7 @@
           <a:p>
             <a:fld id="{EF4F237D-D39F-437D-B58E-A56F132280E9}" type="datetimeFigureOut">
               <a:rPr lang="en-US" smtClean="0"/>
-              <a:t>5/8/2025</a:t>
+              <a:t>8/18/2025</a:t>
             </a:fld>
             <a:endParaRPr lang="en-US"/>
           </a:p>
@@ -2931,7 +2931,7 @@
           <a:p>
             <a:fld id="{EF4F237D-D39F-437D-B58E-A56F132280E9}" type="datetimeFigureOut">
               <a:rPr lang="en-US" smtClean="0"/>
-              <a:t>5/8/2025</a:t>
+              <a:t>8/18/2025</a:t>
             </a:fld>
             <a:endParaRPr lang="en-US"/>
           </a:p>
@@ -4240,7 +4240,7 @@
                   </a:schemeClr>
                 </a:solidFill>
               </a:rPr>
-              <a:t>(2025 )</a:t>
+              <a:t>(2025 - Present)</a:t>
             </a:r>
             <a:endParaRPr lang="en-US" b="1" dirty="0">
               <a:solidFill>
